--- a/Presentation/You-hockey.pptx
+++ b/Presentation/You-hockey.pptx
@@ -5,18 +5,20 @@
     <p:sldMasterId id="2147483720" r:id="rId1"/>
   </p:sldMasterIdLst>
   <p:notesMasterIdLst>
-    <p:notesMasterId r:id="rId11"/>
+    <p:notesMasterId r:id="rId13"/>
   </p:notesMasterIdLst>
   <p:sldIdLst>
     <p:sldId id="256" r:id="rId2"/>
     <p:sldId id="257" r:id="rId3"/>
     <p:sldId id="261" r:id="rId4"/>
     <p:sldId id="258" r:id="rId5"/>
-    <p:sldId id="259" r:id="rId6"/>
-    <p:sldId id="260" r:id="rId7"/>
-    <p:sldId id="262" r:id="rId8"/>
-    <p:sldId id="263" r:id="rId9"/>
-    <p:sldId id="264" r:id="rId10"/>
+    <p:sldId id="265" r:id="rId6"/>
+    <p:sldId id="259" r:id="rId7"/>
+    <p:sldId id="260" r:id="rId8"/>
+    <p:sldId id="262" r:id="rId9"/>
+    <p:sldId id="263" r:id="rId10"/>
+    <p:sldId id="266" r:id="rId11"/>
+    <p:sldId id="264" r:id="rId12"/>
   </p:sldIdLst>
   <p:sldSz cx="9144000" cy="6858000" type="screen4x3"/>
   <p:notesSz cx="6858000" cy="9144000"/>
@@ -200,7 +202,7 @@
           <a:p>
             <a:fld id="{02F9F04F-3325-4E17-807A-9DEA0B65DE85}" type="datetimeFigureOut">
               <a:rPr lang="he-IL" smtClean="0"/>
-              <a:t>ג'/אדר/תשע"ה</a:t>
+              <a:t>ו'/אדר/תשע"ה</a:t>
             </a:fld>
             <a:endParaRPr lang="he-IL"/>
           </a:p>
@@ -695,7 +697,7 @@
           <a:p>
             <a:fld id="{932B71A5-5859-41E7-8705-1E0E77ED6C34}" type="datetimeFigureOut">
               <a:rPr lang="he-IL" smtClean="0"/>
-              <a:t>ג'/אדר/תשע"ה</a:t>
+              <a:t>ו'/אדר/תשע"ה</a:t>
             </a:fld>
             <a:endParaRPr lang="he-IL"/>
           </a:p>
@@ -1011,7 +1013,7 @@
           <a:p>
             <a:fld id="{932B71A5-5859-41E7-8705-1E0E77ED6C34}" type="datetimeFigureOut">
               <a:rPr lang="he-IL" smtClean="0"/>
-              <a:t>ג'/אדר/תשע"ה</a:t>
+              <a:t>ו'/אדר/תשע"ה</a:t>
             </a:fld>
             <a:endParaRPr lang="he-IL"/>
           </a:p>
@@ -1186,7 +1188,7 @@
           <a:p>
             <a:fld id="{932B71A5-5859-41E7-8705-1E0E77ED6C34}" type="datetimeFigureOut">
               <a:rPr lang="he-IL" smtClean="0"/>
-              <a:t>ג'/אדר/תשע"ה</a:t>
+              <a:t>ו'/אדר/תשע"ה</a:t>
             </a:fld>
             <a:endParaRPr lang="he-IL"/>
           </a:p>
@@ -1304,7 +1306,7 @@
           <a:p>
             <a:fld id="{932B71A5-5859-41E7-8705-1E0E77ED6C34}" type="datetimeFigureOut">
               <a:rPr lang="he-IL" smtClean="0"/>
-              <a:t>ג'/אדר/תשע"ה</a:t>
+              <a:t>ו'/אדר/תשע"ה</a:t>
             </a:fld>
             <a:endParaRPr lang="he-IL"/>
           </a:p>
@@ -1602,7 +1604,7 @@
           <a:p>
             <a:fld id="{932B71A5-5859-41E7-8705-1E0E77ED6C34}" type="datetimeFigureOut">
               <a:rPr lang="he-IL" smtClean="0"/>
-              <a:t>ג'/אדר/תשע"ה</a:t>
+              <a:t>ו'/אדר/תשע"ה</a:t>
             </a:fld>
             <a:endParaRPr lang="he-IL"/>
           </a:p>
@@ -1895,7 +1897,7 @@
           <a:p>
             <a:fld id="{932B71A5-5859-41E7-8705-1E0E77ED6C34}" type="datetimeFigureOut">
               <a:rPr lang="he-IL" smtClean="0"/>
-              <a:t>ג'/אדר/תשע"ה</a:t>
+              <a:t>ו'/אדר/תשע"ה</a:t>
             </a:fld>
             <a:endParaRPr lang="he-IL"/>
           </a:p>
@@ -2323,7 +2325,7 @@
           <a:p>
             <a:fld id="{932B71A5-5859-41E7-8705-1E0E77ED6C34}" type="datetimeFigureOut">
               <a:rPr lang="he-IL" smtClean="0"/>
-              <a:t>ג'/אדר/תשע"ה</a:t>
+              <a:t>ו'/אדר/תשע"ה</a:t>
             </a:fld>
             <a:endParaRPr lang="he-IL"/>
           </a:p>
@@ -2441,7 +2443,7 @@
           <a:p>
             <a:fld id="{932B71A5-5859-41E7-8705-1E0E77ED6C34}" type="datetimeFigureOut">
               <a:rPr lang="he-IL" smtClean="0"/>
-              <a:t>ג'/אדר/תשע"ה</a:t>
+              <a:t>ו'/אדר/תשע"ה</a:t>
             </a:fld>
             <a:endParaRPr lang="he-IL"/>
           </a:p>
@@ -2531,7 +2533,7 @@
           <a:p>
             <a:fld id="{932B71A5-5859-41E7-8705-1E0E77ED6C34}" type="datetimeFigureOut">
               <a:rPr lang="he-IL" smtClean="0"/>
-              <a:t>ג'/אדר/תשע"ה</a:t>
+              <a:t>ו'/אדר/תשע"ה</a:t>
             </a:fld>
             <a:endParaRPr lang="he-IL"/>
           </a:p>
@@ -2781,7 +2783,7 @@
           <a:p>
             <a:fld id="{932B71A5-5859-41E7-8705-1E0E77ED6C34}" type="datetimeFigureOut">
               <a:rPr lang="he-IL" smtClean="0"/>
-              <a:t>ג'/אדר/תשע"ה</a:t>
+              <a:t>ו'/אדר/תשע"ה</a:t>
             </a:fld>
             <a:endParaRPr lang="he-IL"/>
           </a:p>
@@ -3297,7 +3299,7 @@
           <a:p>
             <a:fld id="{932B71A5-5859-41E7-8705-1E0E77ED6C34}" type="datetimeFigureOut">
               <a:rPr lang="he-IL" smtClean="0"/>
-              <a:t>ג'/אדר/תשע"ה</a:t>
+              <a:t>ו'/אדר/תשע"ה</a:t>
             </a:fld>
             <a:endParaRPr lang="he-IL"/>
           </a:p>
@@ -3527,7 +3529,7 @@
           <a:p>
             <a:fld id="{932B71A5-5859-41E7-8705-1E0E77ED6C34}" type="datetimeFigureOut">
               <a:rPr lang="he-IL" smtClean="0"/>
-              <a:t>ג'/אדר/תשע"ה</a:t>
+              <a:t>ו'/אדר/תשע"ה</a:t>
             </a:fld>
             <a:endParaRPr lang="he-IL"/>
           </a:p>
@@ -4091,7 +4093,7 @@
           <a:lstStyle/>
           <a:p>
             <a:r>
-              <a:rPr lang="en-US" sz="7200" b="1" dirty="0" smtClean="0">
+              <a:rPr lang="en-US" sz="7200" b="1" dirty="0" err="1" smtClean="0">
                 <a:effectLst>
                   <a:outerShdw blurRad="38100" dist="38100" dir="2700000" algn="tl">
                     <a:srgbClr val="000000">
@@ -4100,7 +4102,7 @@
                   </a:outerShdw>
                 </a:effectLst>
               </a:rPr>
-              <a:t>You-hockey</a:t>
+              <a:t>Youhockey</a:t>
             </a:r>
             <a:endParaRPr lang="he-IL" sz="7200" b="1" dirty="0">
               <a:effectLst>
@@ -4114,6 +4116,47 @@
           </a:p>
         </p:txBody>
       </p:sp>
+      <p:pic>
+        <p:nvPicPr>
+          <p:cNvPr id="2050" name="Picture 2" descr="C:\Users\Tamir\git\airhockey\AirHockey\android\assets\player2.jpeg"/>
+          <p:cNvPicPr>
+            <a:picLocks noChangeAspect="1" noChangeArrowheads="1"/>
+          </p:cNvPicPr>
+          <p:nvPr/>
+        </p:nvPicPr>
+        <p:blipFill>
+          <a:blip r:embed="rId3">
+            <a:extLst>
+              <a:ext uri="{28A0092B-C50C-407E-A947-70E740481C1C}">
+                <a14:useLocalDpi xmlns:a14="http://schemas.microsoft.com/office/drawing/2010/main" val="0"/>
+              </a:ext>
+            </a:extLst>
+          </a:blip>
+          <a:srcRect/>
+          <a:stretch>
+            <a:fillRect/>
+          </a:stretch>
+        </p:blipFill>
+        <p:spPr bwMode="auto">
+          <a:xfrm>
+            <a:off x="7451592" y="5173365"/>
+            <a:ext cx="1684635" cy="1684635"/>
+          </a:xfrm>
+          <a:prstGeom prst="rect">
+            <a:avLst/>
+          </a:prstGeom>
+          <a:noFill/>
+          <a:extLst>
+            <a:ext uri="{909E8E84-426E-40DD-AFC4-6F175D3DCCD1}">
+              <a14:hiddenFill xmlns:a14="http://schemas.microsoft.com/office/drawing/2010/main">
+                <a:solidFill>
+                  <a:srgbClr val="FFFFFF"/>
+                </a:solidFill>
+              </a14:hiddenFill>
+            </a:ext>
+          </a:extLst>
+        </p:spPr>
+      </p:pic>
     </p:spTree>
     <p:extLst>
       <p:ext uri="{BB962C8B-B14F-4D97-AF65-F5344CB8AC3E}">
@@ -4124,14 +4167,197 @@
   <p:clrMapOvr>
     <a:masterClrMapping/>
   </p:clrMapOvr>
-  <mc:AlternateContent xmlns:mc="http://schemas.openxmlformats.org/markup-compatibility/2006">
-    <mc:Choice xmlns:p14="http://schemas.microsoft.com/office/powerpoint/2010/main" Requires="p14">
+  <mc:AlternateContent xmlns:mc="http://schemas.openxmlformats.org/markup-compatibility/2006" xmlns:p14="http://schemas.microsoft.com/office/powerpoint/2010/main">
+    <mc:Choice Requires="p14">
       <p:transition spd="slow" p14:dur="2000"/>
     </mc:Choice>
-    <mc:Fallback>
+    <mc:Fallback xmlns="">
       <p:transition spd="slow"/>
     </mc:Fallback>
   </mc:AlternateContent>
+  <p:timing>
+    <p:tnLst>
+      <p:par>
+        <p:cTn id="1" dur="indefinite" restart="never" nodeType="tmRoot"/>
+      </p:par>
+    </p:tnLst>
+  </p:timing>
+</p:sld>
+</file>
+
+<file path=ppt/slides/slide10.xml><?xml version="1.0" encoding="utf-8"?>
+<p:sld xmlns:a="http://schemas.openxmlformats.org/drawingml/2006/main" xmlns:r="http://schemas.openxmlformats.org/officeDocument/2006/relationships" xmlns:p="http://schemas.openxmlformats.org/presentationml/2006/main">
+  <p:cSld>
+    <p:spTree>
+      <p:nvGrpSpPr>
+        <p:cNvPr id="1" name=""/>
+        <p:cNvGrpSpPr/>
+        <p:nvPr/>
+      </p:nvGrpSpPr>
+      <p:grpSpPr>
+        <a:xfrm>
+          <a:off x="0" y="0"/>
+          <a:ext cx="0" cy="0"/>
+          <a:chOff x="0" y="0"/>
+          <a:chExt cx="0" cy="0"/>
+        </a:xfrm>
+      </p:grpSpPr>
+      <p:sp>
+        <p:nvSpPr>
+          <p:cNvPr id="2" name="כותרת 1"/>
+          <p:cNvSpPr>
+            <a:spLocks noGrp="1"/>
+          </p:cNvSpPr>
+          <p:nvPr>
+            <p:ph type="title"/>
+          </p:nvPr>
+        </p:nvSpPr>
+        <p:spPr/>
+        <p:txBody>
+          <a:bodyPr/>
+          <a:lstStyle/>
+          <a:p>
+            <a:r>
+              <a:rPr lang="he-IL" dirty="0" smtClean="0"/>
+              <a:t>קישור ל </a:t>
+            </a:r>
+            <a:r>
+              <a:rPr lang="en-US" dirty="0" err="1" smtClean="0"/>
+              <a:t>git</a:t>
+            </a:r>
+            <a:endParaRPr lang="he-IL" dirty="0"/>
+          </a:p>
+        </p:txBody>
+      </p:sp>
+      <p:sp>
+        <p:nvSpPr>
+          <p:cNvPr id="3" name="מציין מיקום תוכן 2"/>
+          <p:cNvSpPr>
+            <a:spLocks noGrp="1"/>
+          </p:cNvSpPr>
+          <p:nvPr>
+            <p:ph sz="quarter" idx="13"/>
+          </p:nvPr>
+        </p:nvSpPr>
+        <p:spPr>
+          <a:xfrm>
+            <a:off x="-612576" y="3645024"/>
+            <a:ext cx="7924800" cy="4114800"/>
+          </a:xfrm>
+        </p:spPr>
+        <p:txBody>
+          <a:bodyPr>
+            <a:normAutofit/>
+          </a:bodyPr>
+          <a:lstStyle/>
+          <a:p>
+            <a:r>
+              <a:rPr lang="en-US" sz="2000" dirty="0">
+                <a:hlinkClick r:id="rId2"/>
+              </a:rPr>
+              <a:t>https://</a:t>
+            </a:r>
+            <a:r>
+              <a:rPr lang="en-US" sz="2000" dirty="0" smtClean="0">
+                <a:hlinkClick r:id="rId2"/>
+              </a:rPr>
+              <a:t>github.com/tamirz12345/YouHockey</a:t>
+            </a:r>
+            <a:endParaRPr lang="en-US" sz="2000" dirty="0" smtClean="0"/>
+          </a:p>
+          <a:p>
+            <a:endParaRPr lang="he-IL" sz="2000" dirty="0"/>
+          </a:p>
+        </p:txBody>
+      </p:sp>
+    </p:spTree>
+    <p:extLst>
+      <p:ext uri="{BB962C8B-B14F-4D97-AF65-F5344CB8AC3E}">
+        <p14:creationId xmlns:p14="http://schemas.microsoft.com/office/powerpoint/2010/main" val="4289137944"/>
+      </p:ext>
+    </p:extLst>
+  </p:cSld>
+  <p:clrMapOvr>
+    <a:masterClrMapping/>
+  </p:clrMapOvr>
+  <p:timing>
+    <p:tnLst>
+      <p:par>
+        <p:cTn id="1" dur="indefinite" restart="never" nodeType="tmRoot"/>
+      </p:par>
+    </p:tnLst>
+  </p:timing>
+</p:sld>
+</file>
+
+<file path=ppt/slides/slide11.xml><?xml version="1.0" encoding="utf-8"?>
+<p:sld xmlns:a="http://schemas.openxmlformats.org/drawingml/2006/main" xmlns:r="http://schemas.openxmlformats.org/officeDocument/2006/relationships" xmlns:p="http://schemas.openxmlformats.org/presentationml/2006/main">
+  <p:cSld>
+    <p:spTree>
+      <p:nvGrpSpPr>
+        <p:cNvPr id="1" name=""/>
+        <p:cNvGrpSpPr/>
+        <p:nvPr/>
+      </p:nvGrpSpPr>
+      <p:grpSpPr>
+        <a:xfrm>
+          <a:off x="0" y="0"/>
+          <a:ext cx="0" cy="0"/>
+          <a:chOff x="0" y="0"/>
+          <a:chExt cx="0" cy="0"/>
+        </a:xfrm>
+      </p:grpSpPr>
+      <p:pic>
+        <p:nvPicPr>
+          <p:cNvPr id="4102" name="Picture 6" descr="https://stolenchildhood.files.wordpress.com/2014/06/the-end.jpg"/>
+          <p:cNvPicPr>
+            <a:picLocks noChangeAspect="1" noChangeArrowheads="1"/>
+          </p:cNvPicPr>
+          <p:nvPr/>
+        </p:nvPicPr>
+        <p:blipFill>
+          <a:blip r:embed="rId2">
+            <a:extLst>
+              <a:ext uri="{28A0092B-C50C-407E-A947-70E740481C1C}">
+                <a14:useLocalDpi xmlns:a14="http://schemas.microsoft.com/office/drawing/2010/main" val="0"/>
+              </a:ext>
+            </a:extLst>
+          </a:blip>
+          <a:srcRect/>
+          <a:stretch>
+            <a:fillRect/>
+          </a:stretch>
+        </p:blipFill>
+        <p:spPr bwMode="auto">
+          <a:xfrm>
+            <a:off x="0" y="0"/>
+            <a:ext cx="9144000" cy="4632599"/>
+          </a:xfrm>
+          <a:prstGeom prst="rect">
+            <a:avLst/>
+          </a:prstGeom>
+          <a:noFill/>
+          <a:extLst>
+            <a:ext uri="{909E8E84-426E-40DD-AFC4-6F175D3DCCD1}">
+              <a14:hiddenFill xmlns:a14="http://schemas.microsoft.com/office/drawing/2010/main">
+                <a:solidFill>
+                  <a:srgbClr val="FFFFFF"/>
+                </a:solidFill>
+              </a14:hiddenFill>
+            </a:ext>
+          </a:extLst>
+        </p:spPr>
+      </p:pic>
+    </p:spTree>
+    <p:extLst>
+      <p:ext uri="{BB962C8B-B14F-4D97-AF65-F5344CB8AC3E}">
+        <p14:creationId xmlns:p14="http://schemas.microsoft.com/office/powerpoint/2010/main" val="3231306991"/>
+      </p:ext>
+    </p:extLst>
+  </p:cSld>
+  <p:clrMapOvr>
+    <a:masterClrMapping/>
+  </p:clrMapOvr>
   <p:timing>
     <p:tnLst>
       <p:par>
@@ -4252,10 +4478,6 @@
               <a:rPr lang="he-IL" dirty="0"/>
               <a:t>ויניע אותה על הזירה. </a:t>
             </a:r>
-            <a:r>
-              <a:rPr lang="he-IL" dirty="0"/>
-              <a:t/>
-            </a:r>
             <a:br>
               <a:rPr lang="he-IL" dirty="0"/>
             </a:br>
@@ -4280,11 +4502,11 @@
   <p:clrMapOvr>
     <a:masterClrMapping/>
   </p:clrMapOvr>
-  <mc:AlternateContent xmlns:mc="http://schemas.openxmlformats.org/markup-compatibility/2006">
-    <mc:Choice xmlns:p14="http://schemas.microsoft.com/office/powerpoint/2010/main" Requires="p14">
+  <mc:AlternateContent xmlns:mc="http://schemas.openxmlformats.org/markup-compatibility/2006" xmlns:p14="http://schemas.microsoft.com/office/powerpoint/2010/main">
+    <mc:Choice Requires="p14">
       <p:transition spd="slow" p14:dur="2000"/>
     </mc:Choice>
-    <mc:Fallback>
+    <mc:Fallback xmlns="">
       <p:transition spd="slow"/>
     </mc:Fallback>
   </mc:AlternateContent>
@@ -4549,6 +4771,341 @@
           <a:chExt cx="0" cy="0"/>
         </a:xfrm>
       </p:grpSpPr>
+      <p:sp>
+        <p:nvSpPr>
+          <p:cNvPr id="2" name="כותרת 1"/>
+          <p:cNvSpPr>
+            <a:spLocks noGrp="1"/>
+          </p:cNvSpPr>
+          <p:nvPr>
+            <p:ph type="title"/>
+          </p:nvPr>
+        </p:nvSpPr>
+        <p:spPr/>
+        <p:txBody>
+          <a:bodyPr/>
+          <a:lstStyle/>
+          <a:p>
+            <a:r>
+              <a:rPr lang="en-US" dirty="0" smtClean="0"/>
+              <a:t>Why </a:t>
+            </a:r>
+            <a:r>
+              <a:rPr lang="en-US" dirty="0" err="1" smtClean="0"/>
+              <a:t>libgdx</a:t>
+            </a:r>
+            <a:endParaRPr lang="he-IL" dirty="0"/>
+          </a:p>
+        </p:txBody>
+      </p:sp>
+      <p:sp>
+        <p:nvSpPr>
+          <p:cNvPr id="3" name="מציין מיקום תוכן 2"/>
+          <p:cNvSpPr>
+            <a:spLocks noGrp="1"/>
+          </p:cNvSpPr>
+          <p:nvPr>
+            <p:ph sz="quarter" idx="13"/>
+          </p:nvPr>
+        </p:nvSpPr>
+        <p:spPr/>
+        <p:txBody>
+          <a:bodyPr/>
+          <a:lstStyle/>
+          <a:p>
+            <a:r>
+              <a:rPr lang="he-IL" dirty="0" smtClean="0"/>
+              <a:t>אין צורך להתעסק </a:t>
+            </a:r>
+            <a:r>
+              <a:rPr lang="he-IL" dirty="0" err="1" smtClean="0"/>
+              <a:t>במאחורי</a:t>
+            </a:r>
+            <a:r>
+              <a:rPr lang="he-IL" dirty="0" smtClean="0"/>
+              <a:t> הקלעים של ה </a:t>
+            </a:r>
+            <a:r>
+              <a:rPr lang="en-US" dirty="0" smtClean="0"/>
+              <a:t>android </a:t>
+            </a:r>
+            <a:r>
+              <a:rPr lang="he-IL" dirty="0" smtClean="0"/>
+              <a:t> : </a:t>
+            </a:r>
+            <a:r>
+              <a:rPr lang="en-US" dirty="0" err="1" smtClean="0"/>
+              <a:t>activitis</a:t>
+            </a:r>
+            <a:r>
+              <a:rPr lang="en-US" dirty="0" smtClean="0"/>
+              <a:t> </a:t>
+            </a:r>
+            <a:r>
+              <a:rPr lang="he-IL" dirty="0" smtClean="0"/>
+              <a:t> , קובץ </a:t>
+            </a:r>
+            <a:r>
+              <a:rPr lang="en-US" dirty="0" smtClean="0"/>
+              <a:t>R</a:t>
+            </a:r>
+            <a:r>
+              <a:rPr lang="he-IL" dirty="0" smtClean="0"/>
+              <a:t>  ועוד...</a:t>
+            </a:r>
+          </a:p>
+          <a:p>
+            <a:r>
+              <a:rPr lang="en-US" dirty="0" smtClean="0"/>
+              <a:t>Cross Platform</a:t>
+            </a:r>
+            <a:r>
+              <a:rPr lang="he-IL" dirty="0" smtClean="0"/>
+              <a:t> : </a:t>
+            </a:r>
+            <a:r>
+              <a:rPr lang="en-US" dirty="0" smtClean="0"/>
+              <a:t>android , </a:t>
+            </a:r>
+            <a:r>
+              <a:rPr lang="en-US" dirty="0" err="1" smtClean="0"/>
+              <a:t>ios</a:t>
+            </a:r>
+            <a:r>
+              <a:rPr lang="en-US" dirty="0" smtClean="0"/>
+              <a:t> , html5 , Desktop</a:t>
+            </a:r>
+            <a:endParaRPr lang="he-IL" dirty="0" smtClean="0"/>
+          </a:p>
+          <a:p>
+            <a:r>
+              <a:rPr lang="he-IL" dirty="0" smtClean="0"/>
+              <a:t>פשוט ללימוד הרשת מלאה במסמכי </a:t>
+            </a:r>
+            <a:r>
+              <a:rPr lang="en-US" dirty="0" err="1" smtClean="0"/>
+              <a:t>api</a:t>
+            </a:r>
+            <a:r>
+              <a:rPr lang="he-IL" dirty="0" smtClean="0"/>
+              <a:t> ודוגמאות (דוג' </a:t>
+            </a:r>
+            <a:r>
+              <a:rPr lang="en-US" dirty="0" smtClean="0"/>
+              <a:t>super jumper</a:t>
+            </a:r>
+            <a:r>
+              <a:rPr lang="he-IL" dirty="0" smtClean="0"/>
+              <a:t> )</a:t>
+            </a:r>
+            <a:r>
+              <a:rPr lang="en-US" dirty="0" smtClean="0"/>
+              <a:t> </a:t>
+            </a:r>
+            <a:endParaRPr lang="en-US" dirty="0"/>
+          </a:p>
+          <a:p>
+            <a:r>
+              <a:rPr lang="he-IL" dirty="0" smtClean="0"/>
+              <a:t>רעיון מסודר ולא מסובך של ציור , </a:t>
+            </a:r>
+            <a:r>
+              <a:rPr lang="en-US" dirty="0" smtClean="0"/>
+              <a:t>render()</a:t>
+            </a:r>
+            <a:r>
+              <a:rPr lang="he-IL" dirty="0" smtClean="0"/>
+              <a:t> .</a:t>
+            </a:r>
+          </a:p>
+          <a:p>
+            <a:r>
+              <a:rPr lang="he-IL" dirty="0" smtClean="0"/>
+              <a:t>ספריות נוחות כמו </a:t>
+            </a:r>
+            <a:r>
+              <a:rPr lang="en-US" dirty="0" smtClean="0"/>
+              <a:t>Box2d</a:t>
+            </a:r>
+            <a:r>
+              <a:rPr lang="he-IL" dirty="0" smtClean="0"/>
+              <a:t> .</a:t>
+            </a:r>
+            <a:endParaRPr lang="he-IL" dirty="0"/>
+          </a:p>
+        </p:txBody>
+      </p:sp>
+      <p:pic>
+        <p:nvPicPr>
+          <p:cNvPr id="1026" name="Picture 2" descr="http://www.bitz.pikkle.com/data/gdx/img/logo/logo-256.png"/>
+          <p:cNvPicPr>
+            <a:picLocks noChangeAspect="1" noChangeArrowheads="1"/>
+          </p:cNvPicPr>
+          <p:nvPr/>
+        </p:nvPicPr>
+        <p:blipFill>
+          <a:blip r:embed="rId2">
+            <a:extLst>
+              <a:ext uri="{28A0092B-C50C-407E-A947-70E740481C1C}">
+                <a14:useLocalDpi xmlns:a14="http://schemas.microsoft.com/office/drawing/2010/main" val="0"/>
+              </a:ext>
+            </a:extLst>
+          </a:blip>
+          <a:srcRect/>
+          <a:stretch>
+            <a:fillRect/>
+          </a:stretch>
+        </p:blipFill>
+        <p:spPr bwMode="auto">
+          <a:xfrm>
+            <a:off x="0" y="3861048"/>
+            <a:ext cx="2438400" cy="2438400"/>
+          </a:xfrm>
+          <a:prstGeom prst="rect">
+            <a:avLst/>
+          </a:prstGeom>
+          <a:noFill/>
+          <a:extLst>
+            <a:ext uri="{909E8E84-426E-40DD-AFC4-6F175D3DCCD1}">
+              <a14:hiddenFill xmlns:a14="http://schemas.microsoft.com/office/drawing/2010/main">
+                <a:solidFill>
+                  <a:srgbClr val="FFFFFF"/>
+                </a:solidFill>
+              </a14:hiddenFill>
+            </a:ext>
+          </a:extLst>
+        </p:spPr>
+      </p:pic>
+      <p:pic>
+        <p:nvPicPr>
+          <p:cNvPr id="1027" name="Picture 3"/>
+          <p:cNvPicPr>
+            <a:picLocks noChangeAspect="1" noChangeArrowheads="1"/>
+          </p:cNvPicPr>
+          <p:nvPr/>
+        </p:nvPicPr>
+        <p:blipFill rotWithShape="1">
+          <a:blip r:embed="rId3">
+            <a:extLst>
+              <a:ext uri="{28A0092B-C50C-407E-A947-70E740481C1C}">
+                <a14:useLocalDpi xmlns:a14="http://schemas.microsoft.com/office/drawing/2010/main" val="0"/>
+              </a:ext>
+            </a:extLst>
+          </a:blip>
+          <a:srcRect l="27788" t="50000" r="29202" b="28843"/>
+          <a:stretch/>
+        </p:blipFill>
+        <p:spPr bwMode="auto">
+          <a:xfrm>
+            <a:off x="4053016" y="116632"/>
+            <a:ext cx="4228144" cy="1169334"/>
+          </a:xfrm>
+          <a:prstGeom prst="rect">
+            <a:avLst/>
+          </a:prstGeom>
+          <a:noFill/>
+          <a:ln>
+            <a:noFill/>
+          </a:ln>
+          <a:extLst>
+            <a:ext uri="{909E8E84-426E-40DD-AFC4-6F175D3DCCD1}">
+              <a14:hiddenFill xmlns:a14="http://schemas.microsoft.com/office/drawing/2010/main">
+                <a:solidFill>
+                  <a:schemeClr val="accent1"/>
+                </a:solidFill>
+              </a14:hiddenFill>
+            </a:ext>
+            <a:ext uri="{91240B29-F687-4F45-9708-019B960494DF}">
+              <a14:hiddenLine xmlns:a14="http://schemas.microsoft.com/office/drawing/2010/main" w="9525">
+                <a:solidFill>
+                  <a:schemeClr val="tx1"/>
+                </a:solidFill>
+                <a:miter lim="800000"/>
+                <a:headEnd/>
+                <a:tailEnd/>
+              </a14:hiddenLine>
+            </a:ext>
+          </a:extLst>
+        </p:spPr>
+      </p:pic>
+      <p:pic>
+        <p:nvPicPr>
+          <p:cNvPr id="1029" name="Picture 5" descr="http://www.badlogicgames.com/wordpress/wp-content/uploads/2011/01/superjumper.png"/>
+          <p:cNvPicPr>
+            <a:picLocks noChangeAspect="1" noChangeArrowheads="1"/>
+          </p:cNvPicPr>
+          <p:nvPr/>
+        </p:nvPicPr>
+        <p:blipFill>
+          <a:blip r:embed="rId4">
+            <a:extLst>
+              <a:ext uri="{28A0092B-C50C-407E-A947-70E740481C1C}">
+                <a14:useLocalDpi xmlns:a14="http://schemas.microsoft.com/office/drawing/2010/main" val="0"/>
+              </a:ext>
+            </a:extLst>
+          </a:blip>
+          <a:srcRect/>
+          <a:stretch>
+            <a:fillRect/>
+          </a:stretch>
+        </p:blipFill>
+        <p:spPr bwMode="auto">
+          <a:xfrm>
+            <a:off x="6804248" y="3577088"/>
+            <a:ext cx="1976264" cy="3029096"/>
+          </a:xfrm>
+          <a:prstGeom prst="rect">
+            <a:avLst/>
+          </a:prstGeom>
+          <a:noFill/>
+          <a:extLst>
+            <a:ext uri="{909E8E84-426E-40DD-AFC4-6F175D3DCCD1}">
+              <a14:hiddenFill xmlns:a14="http://schemas.microsoft.com/office/drawing/2010/main">
+                <a:solidFill>
+                  <a:srgbClr val="FFFFFF"/>
+                </a:solidFill>
+              </a14:hiddenFill>
+            </a:ext>
+          </a:extLst>
+        </p:spPr>
+      </p:pic>
+    </p:spTree>
+    <p:extLst>
+      <p:ext uri="{BB962C8B-B14F-4D97-AF65-F5344CB8AC3E}">
+        <p14:creationId xmlns:p14="http://schemas.microsoft.com/office/powerpoint/2010/main" val="2029025861"/>
+      </p:ext>
+    </p:extLst>
+  </p:cSld>
+  <p:clrMapOvr>
+    <a:masterClrMapping/>
+  </p:clrMapOvr>
+  <p:timing>
+    <p:tnLst>
+      <p:par>
+        <p:cTn id="1" dur="indefinite" restart="never" nodeType="tmRoot"/>
+      </p:par>
+    </p:tnLst>
+  </p:timing>
+</p:sld>
+</file>
+
+<file path=ppt/slides/slide6.xml><?xml version="1.0" encoding="utf-8"?>
+<p:sld xmlns:a="http://schemas.openxmlformats.org/drawingml/2006/main" xmlns:r="http://schemas.openxmlformats.org/officeDocument/2006/relationships" xmlns:p="http://schemas.openxmlformats.org/presentationml/2006/main">
+  <p:cSld>
+    <p:spTree>
+      <p:nvGrpSpPr>
+        <p:cNvPr id="1" name=""/>
+        <p:cNvGrpSpPr/>
+        <p:nvPr/>
+      </p:nvGrpSpPr>
+      <p:grpSpPr>
+        <a:xfrm>
+          <a:off x="0" y="0"/>
+          <a:ext cx="0" cy="0"/>
+          <a:chOff x="0" y="0"/>
+          <a:chExt cx="0" cy="0"/>
+        </a:xfrm>
+      </p:grpSpPr>
       <p:pic>
         <p:nvPicPr>
           <p:cNvPr id="1026" name="Picture 2" descr="https://lh5.googleusercontent.com/DJW1rEnz-73Io4flrFXXGiwAl8mV3idxzO6dgu8ZbOAJBCXUUE21qzHLngjKRe-iHkRMMt3MLVo-zMw7C_LVIzIfb9hAAJlVYIJm9DnvxUYAfGoMDxXJYHyLg_UahvTc6Yc"/>
@@ -4610,133 +5167,6 @@
 </p:sld>
 </file>
 
-<file path=ppt/slides/slide6.xml><?xml version="1.0" encoding="utf-8"?>
-<p:sld xmlns:a="http://schemas.openxmlformats.org/drawingml/2006/main" xmlns:r="http://schemas.openxmlformats.org/officeDocument/2006/relationships" xmlns:p="http://schemas.openxmlformats.org/presentationml/2006/main">
-  <p:cSld>
-    <p:spTree>
-      <p:nvGrpSpPr>
-        <p:cNvPr id="1" name=""/>
-        <p:cNvGrpSpPr/>
-        <p:nvPr/>
-      </p:nvGrpSpPr>
-      <p:grpSpPr>
-        <a:xfrm>
-          <a:off x="0" y="0"/>
-          <a:ext cx="0" cy="0"/>
-          <a:chOff x="0" y="0"/>
-          <a:chExt cx="0" cy="0"/>
-        </a:xfrm>
-      </p:grpSpPr>
-      <p:sp>
-        <p:nvSpPr>
-          <p:cNvPr id="2" name="כותרת 1"/>
-          <p:cNvSpPr>
-            <a:spLocks noGrp="1"/>
-          </p:cNvSpPr>
-          <p:nvPr>
-            <p:ph type="title"/>
-          </p:nvPr>
-        </p:nvSpPr>
-        <p:spPr/>
-        <p:txBody>
-          <a:bodyPr/>
-          <a:lstStyle/>
-          <a:p>
-            <a:pPr algn="r"/>
-            <a:r>
-              <a:rPr lang="he-IL" dirty="0" smtClean="0"/>
-              <a:t>סוגיות טכנולוגיות</a:t>
-            </a:r>
-            <a:endParaRPr lang="he-IL" dirty="0"/>
-          </a:p>
-        </p:txBody>
-      </p:sp>
-      <p:sp>
-        <p:nvSpPr>
-          <p:cNvPr id="3" name="מציין מיקום תוכן 2"/>
-          <p:cNvSpPr>
-            <a:spLocks noGrp="1"/>
-          </p:cNvSpPr>
-          <p:nvPr>
-            <p:ph sz="quarter" idx="13"/>
-          </p:nvPr>
-        </p:nvSpPr>
-        <p:spPr/>
-        <p:txBody>
-          <a:bodyPr/>
-          <a:lstStyle/>
-          <a:p>
-            <a:r>
-              <a:rPr lang="he-IL" dirty="0" smtClean="0"/>
-              <a:t>הקמת סביבת עבודה</a:t>
-            </a:r>
-          </a:p>
-          <a:p>
-            <a:r>
-              <a:rPr lang="he-IL" dirty="0" smtClean="0"/>
-              <a:t>סורס קונטרול (שליטה </a:t>
-            </a:r>
-            <a:r>
-              <a:rPr lang="he-IL" dirty="0" err="1" smtClean="0"/>
-              <a:t>בגיט</a:t>
-            </a:r>
-            <a:r>
-              <a:rPr lang="he-IL" dirty="0" smtClean="0"/>
-              <a:t>)</a:t>
-            </a:r>
-          </a:p>
-          <a:p>
-            <a:r>
-              <a:rPr lang="he-IL" dirty="0" smtClean="0"/>
-              <a:t>מבחינת קוד – </a:t>
-            </a:r>
-            <a:r>
-              <a:rPr lang="he-IL" dirty="0" err="1" smtClean="0"/>
-              <a:t>הכל</a:t>
-            </a:r>
-            <a:r>
-              <a:rPr lang="he-IL" dirty="0" smtClean="0"/>
-              <a:t> הלך פחות או יותר חלק </a:t>
-            </a:r>
-            <a:r>
-              <a:rPr lang="he-IL" dirty="0" smtClean="0">
-                <a:sym typeface="Wingdings" panose="05000000000000000000" pitchFamily="2" charset="2"/>
-              </a:rPr>
-              <a:t></a:t>
-            </a:r>
-            <a:endParaRPr lang="he-IL" dirty="0"/>
-          </a:p>
-          <a:p>
-            <a:endParaRPr lang="he-IL" dirty="0"/>
-          </a:p>
-          <a:p>
-            <a:pPr marL="0" indent="0">
-              <a:buNone/>
-            </a:pPr>
-            <a:endParaRPr lang="he-IL" dirty="0"/>
-          </a:p>
-        </p:txBody>
-      </p:sp>
-    </p:spTree>
-    <p:extLst>
-      <p:ext uri="{BB962C8B-B14F-4D97-AF65-F5344CB8AC3E}">
-        <p14:creationId xmlns:p14="http://schemas.microsoft.com/office/powerpoint/2010/main" val="3216688908"/>
-      </p:ext>
-    </p:extLst>
-  </p:cSld>
-  <p:clrMapOvr>
-    <a:masterClrMapping/>
-  </p:clrMapOvr>
-  <p:timing>
-    <p:tnLst>
-      <p:par>
-        <p:cTn id="1" dur="indefinite" restart="never" nodeType="tmRoot"/>
-      </p:par>
-    </p:tnLst>
-  </p:timing>
-</p:sld>
-</file>
-
 <file path=ppt/slides/slide7.xml><?xml version="1.0" encoding="utf-8"?>
 <p:sld xmlns:a="http://schemas.openxmlformats.org/drawingml/2006/main" xmlns:r="http://schemas.openxmlformats.org/officeDocument/2006/relationships" xmlns:p="http://schemas.openxmlformats.org/presentationml/2006/main">
   <p:cSld>
@@ -4769,167 +5199,81 @@
           <a:bodyPr/>
           <a:lstStyle/>
           <a:p>
-            <a:r>
-              <a:rPr lang="en-US" dirty="0" smtClean="0">
-                <a:effectLst>
-                  <a:outerShdw blurRad="38100" dist="38100" dir="2700000" algn="tl">
-                    <a:srgbClr val="000000">
-                      <a:alpha val="43137"/>
-                    </a:srgbClr>
-                  </a:outerShdw>
-                </a:effectLst>
+            <a:pPr algn="r"/>
+            <a:r>
+              <a:rPr lang="he-IL" dirty="0" smtClean="0"/>
+              <a:t>סוגיות (קשיים שנתקלנו בהם) </a:t>
+            </a:r>
+            <a:r>
+              <a:rPr lang="he-IL" dirty="0" smtClean="0"/>
+              <a:t>טכנולוגיות</a:t>
+            </a:r>
+            <a:endParaRPr lang="he-IL" dirty="0"/>
+          </a:p>
+        </p:txBody>
+      </p:sp>
+      <p:sp>
+        <p:nvSpPr>
+          <p:cNvPr id="3" name="מציין מיקום תוכן 2"/>
+          <p:cNvSpPr>
+            <a:spLocks noGrp="1"/>
+          </p:cNvSpPr>
+          <p:nvPr>
+            <p:ph sz="quarter" idx="13"/>
+          </p:nvPr>
+        </p:nvSpPr>
+        <p:spPr/>
+        <p:txBody>
+          <a:bodyPr/>
+          <a:lstStyle/>
+          <a:p>
+            <a:r>
+              <a:rPr lang="he-IL" dirty="0" smtClean="0"/>
+              <a:t>הקמת סביבת עבודה</a:t>
+            </a:r>
+          </a:p>
+          <a:p>
+            <a:r>
+              <a:rPr lang="he-IL" dirty="0" smtClean="0"/>
+              <a:t>סורס קונטרול (שליטה </a:t>
+            </a:r>
+            <a:r>
+              <a:rPr lang="he-IL" dirty="0" err="1" smtClean="0"/>
+              <a:t>בגיט</a:t>
+            </a:r>
+            <a:r>
+              <a:rPr lang="he-IL" dirty="0" smtClean="0"/>
+              <a:t>)</a:t>
+            </a:r>
+          </a:p>
+          <a:p>
+            <a:r>
+              <a:rPr lang="he-IL" dirty="0" smtClean="0"/>
+              <a:t>מבחינת קוד – </a:t>
+            </a:r>
+            <a:r>
+              <a:rPr lang="he-IL" dirty="0" err="1" smtClean="0"/>
+              <a:t>הכל</a:t>
+            </a:r>
+            <a:r>
+              <a:rPr lang="he-IL" dirty="0" smtClean="0"/>
+              <a:t> הלך פחות או יותר חלק </a:t>
+            </a:r>
+            <a:r>
+              <a:rPr lang="he-IL" dirty="0" smtClean="0">
+                <a:sym typeface="Wingdings" panose="05000000000000000000" pitchFamily="2" charset="2"/>
               </a:rPr>
-              <a:t>To be continued…</a:t>
-            </a:r>
-            <a:endParaRPr lang="he-IL" dirty="0">
-              <a:effectLst>
-                <a:outerShdw blurRad="38100" dist="38100" dir="2700000" algn="tl">
-                  <a:srgbClr val="000000">
-                    <a:alpha val="43137"/>
-                  </a:srgbClr>
-                </a:outerShdw>
-              </a:effectLst>
-            </a:endParaRPr>
-          </a:p>
-        </p:txBody>
-      </p:sp>
-      <p:sp>
-        <p:nvSpPr>
-          <p:cNvPr id="3" name="מציין מיקום תוכן 2"/>
-          <p:cNvSpPr>
-            <a:spLocks noGrp="1"/>
-          </p:cNvSpPr>
-          <p:nvPr>
-            <p:ph sz="quarter" idx="13"/>
-          </p:nvPr>
-        </p:nvSpPr>
-        <p:spPr/>
-        <p:txBody>
-          <a:bodyPr/>
-          <a:lstStyle/>
-          <a:p>
-            <a:pPr marL="0" indent="0" fontAlgn="base">
+              <a:t></a:t>
+            </a:r>
+            <a:endParaRPr lang="he-IL" dirty="0"/>
+          </a:p>
+          <a:p>
+            <a:endParaRPr lang="he-IL" dirty="0"/>
+          </a:p>
+          <a:p>
+            <a:pPr marL="0" indent="0">
               <a:buNone/>
             </a:pPr>
-            <a:r>
-              <a:rPr lang="he-IL" dirty="0" smtClean="0"/>
-              <a:t>פיצ'רים:</a:t>
-            </a:r>
-          </a:p>
-          <a:p>
-            <a:pPr fontAlgn="base"/>
-            <a:r>
-              <a:rPr lang="he-IL" dirty="0" smtClean="0"/>
-              <a:t>שימוש במצלמת </a:t>
-            </a:r>
-            <a:r>
-              <a:rPr lang="he-IL" dirty="0"/>
-              <a:t>וידאו קדמית </a:t>
-            </a:r>
-            <a:r>
-              <a:rPr lang="he-IL" dirty="0" smtClean="0"/>
-              <a:t>במכשיר</a:t>
-            </a:r>
-            <a:endParaRPr lang="he-IL" dirty="0"/>
-          </a:p>
-          <a:p>
-            <a:pPr fontAlgn="base"/>
-            <a:r>
-              <a:rPr lang="he-IL" dirty="0" err="1" smtClean="0"/>
-              <a:t>בוט</a:t>
-            </a:r>
-            <a:r>
-              <a:rPr lang="he-IL" dirty="0" smtClean="0"/>
-              <a:t> </a:t>
-            </a:r>
-            <a:r>
-              <a:rPr lang="he-IL" dirty="0"/>
-              <a:t>להתאמנות ולמשחק נגדו כשאין חיבור </a:t>
-            </a:r>
-            <a:r>
-              <a:rPr lang="he-IL" dirty="0" smtClean="0"/>
-              <a:t>לאינטרנט</a:t>
-            </a:r>
-          </a:p>
-          <a:p>
-            <a:pPr fontAlgn="base"/>
-            <a:r>
-              <a:rPr lang="en-US" dirty="0" smtClean="0"/>
-              <a:t>Replays </a:t>
-            </a:r>
-            <a:r>
-              <a:rPr lang="he-IL" dirty="0" smtClean="0"/>
-              <a:t> של מהלכים עיקריים</a:t>
-            </a:r>
-          </a:p>
-          <a:p>
-            <a:pPr fontAlgn="base"/>
-            <a:endParaRPr lang="he-IL" dirty="0"/>
-          </a:p>
-          <a:p>
-            <a:pPr marL="0" indent="0">
-              <a:buNone/>
-            </a:pPr>
-            <a:r>
-              <a:rPr lang="he-IL" dirty="0" smtClean="0"/>
-              <a:t>מודים </a:t>
-            </a:r>
-            <a:r>
-              <a:rPr lang="he-IL" dirty="0"/>
-              <a:t>שונים למשחק </a:t>
-            </a:r>
-            <a:r>
-              <a:rPr lang="he-IL" dirty="0" smtClean="0"/>
-              <a:t>כגון: </a:t>
-            </a:r>
-            <a:endParaRPr lang="he-IL" dirty="0"/>
-          </a:p>
-          <a:p>
-            <a:pPr fontAlgn="base"/>
-            <a:r>
-              <a:rPr lang="he-IL" dirty="0"/>
-              <a:t>קו (של גבולות כל צד) שזז עם כל גול </a:t>
-            </a:r>
-          </a:p>
-          <a:p>
-            <a:pPr fontAlgn="base"/>
-            <a:r>
-              <a:rPr lang="he-IL" dirty="0" smtClean="0"/>
-              <a:t>דסקיות </a:t>
-            </a:r>
-            <a:r>
-              <a:rPr lang="he-IL" dirty="0"/>
-              <a:t>שנוספות כל פרק זמן </a:t>
-            </a:r>
-          </a:p>
-          <a:p>
-            <a:pPr fontAlgn="base"/>
-            <a:r>
-              <a:rPr lang="he-IL" dirty="0" smtClean="0"/>
-              <a:t>דסקית המתחילה </a:t>
-            </a:r>
-            <a:r>
-              <a:rPr lang="he-IL" dirty="0"/>
-              <a:t>לנוע מהר יותר </a:t>
-            </a:r>
-            <a:r>
-              <a:rPr lang="he-IL" dirty="0" smtClean="0"/>
-              <a:t>כל גול</a:t>
-            </a:r>
-            <a:endParaRPr lang="he-IL" dirty="0"/>
-          </a:p>
-          <a:p>
-            <a:pPr fontAlgn="base"/>
-            <a:r>
-              <a:rPr lang="he-IL" dirty="0"/>
-              <a:t>שערים שמשנים גודל או מיקום</a:t>
-            </a:r>
-          </a:p>
-          <a:p>
-            <a:pPr fontAlgn="base"/>
-            <a:endParaRPr lang="he-IL" dirty="0"/>
-          </a:p>
-          <a:p>
             <a:endParaRPr lang="he-IL" dirty="0"/>
           </a:p>
         </p:txBody>
@@ -4937,7 +5281,7 @@
     </p:spTree>
     <p:extLst>
       <p:ext uri="{BB962C8B-B14F-4D97-AF65-F5344CB8AC3E}">
-        <p14:creationId xmlns:p14="http://schemas.microsoft.com/office/powerpoint/2010/main" val="239618819"/>
+        <p14:creationId xmlns:p14="http://schemas.microsoft.com/office/powerpoint/2010/main" val="3216688908"/>
       </p:ext>
     </p:extLst>
   </p:cSld>
@@ -4973,6 +5317,45 @@
       </p:grpSpPr>
       <p:sp>
         <p:nvSpPr>
+          <p:cNvPr id="2" name="כותרת 1"/>
+          <p:cNvSpPr>
+            <a:spLocks noGrp="1"/>
+          </p:cNvSpPr>
+          <p:nvPr>
+            <p:ph type="title"/>
+          </p:nvPr>
+        </p:nvSpPr>
+        <p:spPr/>
+        <p:txBody>
+          <a:bodyPr/>
+          <a:lstStyle/>
+          <a:p>
+            <a:r>
+              <a:rPr lang="en-US" dirty="0" smtClean="0">
+                <a:effectLst>
+                  <a:outerShdw blurRad="38100" dist="38100" dir="2700000" algn="tl">
+                    <a:srgbClr val="000000">
+                      <a:alpha val="43137"/>
+                    </a:srgbClr>
+                  </a:outerShdw>
+                </a:effectLst>
+              </a:rPr>
+              <a:t>To be continued…</a:t>
+            </a:r>
+            <a:endParaRPr lang="he-IL" dirty="0">
+              <a:effectLst>
+                <a:outerShdw blurRad="38100" dist="38100" dir="2700000" algn="tl">
+                  <a:srgbClr val="000000">
+                    <a:alpha val="43137"/>
+                  </a:srgbClr>
+                </a:outerShdw>
+              </a:effectLst>
+            </a:endParaRPr>
+          </a:p>
+        </p:txBody>
+      </p:sp>
+      <p:sp>
+        <p:nvSpPr>
           <p:cNvPr id="3" name="מציין מיקום תוכן 2"/>
           <p:cNvSpPr>
             <a:spLocks noGrp="1"/>
@@ -4981,74 +5364,141 @@
             <p:ph sz="quarter" idx="13"/>
           </p:nvPr>
         </p:nvSpPr>
-        <p:spPr>
-          <a:xfrm>
-            <a:off x="611560" y="620688"/>
-            <a:ext cx="7924800" cy="4114800"/>
-          </a:xfrm>
-        </p:spPr>
-        <p:txBody>
-          <a:bodyPr>
-            <a:normAutofit/>
-          </a:bodyPr>
-          <a:lstStyle/>
-          <a:p>
-            <a:pPr marL="0" indent="0" algn="ctr">
+        <p:spPr/>
+        <p:txBody>
+          <a:bodyPr/>
+          <a:lstStyle/>
+          <a:p>
+            <a:pPr marL="0" indent="0" fontAlgn="base">
               <a:buNone/>
             </a:pPr>
             <a:r>
-              <a:rPr lang="he-IL" sz="8800" dirty="0" smtClean="0"/>
-              <a:t>הרצת המשחק</a:t>
-            </a:r>
-            <a:endParaRPr lang="he-IL" sz="8800" dirty="0"/>
-          </a:p>
-        </p:txBody>
-      </p:sp>
-      <p:pic>
-        <p:nvPicPr>
-          <p:cNvPr id="3074" name="Picture 2" descr="http://www.southflorida.com/hive/images/video/play_icon_carousel.png"/>
-          <p:cNvPicPr>
-            <a:picLocks noChangeAspect="1" noChangeArrowheads="1"/>
-          </p:cNvPicPr>
-          <p:nvPr/>
-        </p:nvPicPr>
-        <p:blipFill>
-          <a:blip r:embed="rId2">
-            <a:extLst>
-              <a:ext uri="{28A0092B-C50C-407E-A947-70E740481C1C}">
-                <a14:useLocalDpi xmlns:a14="http://schemas.microsoft.com/office/drawing/2010/main" val="0"/>
-              </a:ext>
-            </a:extLst>
-          </a:blip>
-          <a:srcRect/>
-          <a:stretch>
-            <a:fillRect/>
-          </a:stretch>
-        </p:blipFill>
-        <p:spPr bwMode="auto">
-          <a:xfrm>
-            <a:off x="3203848" y="2636912"/>
-            <a:ext cx="3096344" cy="3096344"/>
-          </a:xfrm>
-          <a:prstGeom prst="rect">
-            <a:avLst/>
-          </a:prstGeom>
-          <a:noFill/>
-          <a:extLst>
-            <a:ext uri="{909E8E84-426E-40DD-AFC4-6F175D3DCCD1}">
-              <a14:hiddenFill xmlns:a14="http://schemas.microsoft.com/office/drawing/2010/main">
-                <a:solidFill>
-                  <a:srgbClr val="FFFFFF"/>
-                </a:solidFill>
-              </a14:hiddenFill>
-            </a:ext>
-          </a:extLst>
-        </p:spPr>
-      </p:pic>
+              <a:rPr lang="he-IL" dirty="0" smtClean="0"/>
+              <a:t>פיצ'רים:</a:t>
+            </a:r>
+          </a:p>
+          <a:p>
+            <a:pPr fontAlgn="base"/>
+            <a:r>
+              <a:rPr lang="he-IL" dirty="0" smtClean="0"/>
+              <a:t>שימוש במצלמת </a:t>
+            </a:r>
+            <a:r>
+              <a:rPr lang="he-IL" dirty="0"/>
+              <a:t>וידאו קדמית </a:t>
+            </a:r>
+            <a:r>
+              <a:rPr lang="he-IL" dirty="0" smtClean="0"/>
+              <a:t>במכשיר</a:t>
+            </a:r>
+            <a:endParaRPr lang="he-IL" dirty="0"/>
+          </a:p>
+          <a:p>
+            <a:pPr fontAlgn="base"/>
+            <a:r>
+              <a:rPr lang="he-IL" dirty="0" err="1" smtClean="0"/>
+              <a:t>בוט</a:t>
+            </a:r>
+            <a:r>
+              <a:rPr lang="he-IL" dirty="0" smtClean="0"/>
+              <a:t> </a:t>
+            </a:r>
+            <a:r>
+              <a:rPr lang="he-IL" dirty="0"/>
+              <a:t>להתאמנות ולמשחק נגדו כשאין חיבור </a:t>
+            </a:r>
+            <a:r>
+              <a:rPr lang="he-IL" dirty="0" smtClean="0"/>
+              <a:t>לאינטרנט</a:t>
+            </a:r>
+          </a:p>
+          <a:p>
+            <a:pPr fontAlgn="base"/>
+            <a:r>
+              <a:rPr lang="en-US" dirty="0" smtClean="0"/>
+              <a:t>Replays </a:t>
+            </a:r>
+            <a:r>
+              <a:rPr lang="he-IL" dirty="0" smtClean="0"/>
+              <a:t> של מהלכים עיקריים</a:t>
+            </a:r>
+          </a:p>
+          <a:p>
+            <a:pPr fontAlgn="base"/>
+            <a:endParaRPr lang="he-IL" dirty="0"/>
+          </a:p>
+          <a:p>
+            <a:pPr marL="0" indent="0">
+              <a:buNone/>
+            </a:pPr>
+            <a:r>
+              <a:rPr lang="he-IL" dirty="0" smtClean="0"/>
+              <a:t>מודים </a:t>
+            </a:r>
+            <a:r>
+              <a:rPr lang="he-IL" dirty="0"/>
+              <a:t>שונים למשחק </a:t>
+            </a:r>
+            <a:r>
+              <a:rPr lang="he-IL" dirty="0" smtClean="0"/>
+              <a:t>כגון: </a:t>
+            </a:r>
+            <a:endParaRPr lang="he-IL" dirty="0"/>
+          </a:p>
+          <a:p>
+            <a:pPr fontAlgn="base"/>
+            <a:r>
+              <a:rPr lang="he-IL" dirty="0"/>
+              <a:t>קו (של גבולות כל צד) שזז עם כל גול </a:t>
+            </a:r>
+          </a:p>
+          <a:p>
+            <a:pPr fontAlgn="base"/>
+            <a:r>
+              <a:rPr lang="he-IL" dirty="0" smtClean="0"/>
+              <a:t>דסקיות </a:t>
+            </a:r>
+            <a:r>
+              <a:rPr lang="he-IL" dirty="0"/>
+              <a:t>שנוספות כל פרק זמן </a:t>
+            </a:r>
+          </a:p>
+          <a:p>
+            <a:pPr fontAlgn="base"/>
+            <a:r>
+              <a:rPr lang="he-IL" dirty="0" smtClean="0"/>
+              <a:t>דסקית המתחילה </a:t>
+            </a:r>
+            <a:r>
+              <a:rPr lang="he-IL" dirty="0"/>
+              <a:t>לנוע מהר יותר </a:t>
+            </a:r>
+            <a:r>
+              <a:rPr lang="he-IL" dirty="0" smtClean="0"/>
+              <a:t>כל גול</a:t>
+            </a:r>
+            <a:endParaRPr lang="he-IL" dirty="0"/>
+          </a:p>
+          <a:p>
+            <a:pPr fontAlgn="base"/>
+            <a:r>
+              <a:rPr lang="he-IL" dirty="0"/>
+              <a:t>שערים שמשנים גודל או מיקום</a:t>
+            </a:r>
+          </a:p>
+          <a:p>
+            <a:pPr fontAlgn="base"/>
+            <a:endParaRPr lang="he-IL" dirty="0"/>
+          </a:p>
+          <a:p>
+            <a:endParaRPr lang="he-IL" dirty="0"/>
+          </a:p>
+        </p:txBody>
+      </p:sp>
     </p:spTree>
     <p:extLst>
       <p:ext uri="{BB962C8B-B14F-4D97-AF65-F5344CB8AC3E}">
-        <p14:creationId xmlns:p14="http://schemas.microsoft.com/office/powerpoint/2010/main" val="803785113"/>
+        <p14:creationId xmlns:p14="http://schemas.microsoft.com/office/powerpoint/2010/main" val="239618819"/>
       </p:ext>
     </p:extLst>
   </p:cSld>
@@ -5082,9 +5532,46 @@
           <a:chExt cx="0" cy="0"/>
         </a:xfrm>
       </p:grpSpPr>
+      <p:sp>
+        <p:nvSpPr>
+          <p:cNvPr id="3" name="מציין מיקום תוכן 2"/>
+          <p:cNvSpPr>
+            <a:spLocks noGrp="1"/>
+          </p:cNvSpPr>
+          <p:nvPr>
+            <p:ph sz="quarter" idx="13"/>
+          </p:nvPr>
+        </p:nvSpPr>
+        <p:spPr>
+          <a:xfrm>
+            <a:off x="611560" y="620688"/>
+            <a:ext cx="7924800" cy="4114800"/>
+          </a:xfrm>
+        </p:spPr>
+        <p:txBody>
+          <a:bodyPr>
+            <a:normAutofit/>
+          </a:bodyPr>
+          <a:lstStyle/>
+          <a:p>
+            <a:pPr marL="0" indent="0" algn="ctr">
+              <a:buNone/>
+            </a:pPr>
+            <a:r>
+              <a:rPr lang="he-IL" sz="8800" dirty="0" smtClean="0"/>
+              <a:t>הדגמת </a:t>
+            </a:r>
+            <a:r>
+              <a:rPr lang="he-IL" sz="8800" dirty="0" smtClean="0"/>
+              <a:t>המשחק</a:t>
+            </a:r>
+            <a:endParaRPr lang="he-IL" sz="8800" dirty="0"/>
+          </a:p>
+        </p:txBody>
+      </p:sp>
       <p:pic>
         <p:nvPicPr>
-          <p:cNvPr id="4102" name="Picture 6" descr="https://stolenchildhood.files.wordpress.com/2014/06/the-end.jpg"/>
+          <p:cNvPr id="3076" name="Picture 4"/>
           <p:cNvPicPr>
             <a:picLocks noChangeAspect="1" noChangeArrowheads="1"/>
           </p:cNvPicPr>
@@ -5104,21 +5591,108 @@
           </a:stretch>
         </p:blipFill>
         <p:spPr bwMode="auto">
-          <a:xfrm>
-            <a:off x="0" y="0"/>
-            <a:ext cx="9144000" cy="4632599"/>
+          <a:xfrm rot="5400000">
+            <a:off x="-750141" y="2774477"/>
+            <a:ext cx="5008303" cy="3004982"/>
           </a:xfrm>
           <a:prstGeom prst="rect">
             <a:avLst/>
           </a:prstGeom>
           <a:noFill/>
+          <a:ln>
+            <a:noFill/>
+          </a:ln>
+          <a:effectLst/>
           <a:extLst>
             <a:ext uri="{909E8E84-426E-40DD-AFC4-6F175D3DCCD1}">
               <a14:hiddenFill xmlns:a14="http://schemas.microsoft.com/office/drawing/2010/main">
                 <a:solidFill>
-                  <a:srgbClr val="FFFFFF"/>
+                  <a:schemeClr val="accent1"/>
                 </a:solidFill>
               </a14:hiddenFill>
+            </a:ext>
+            <a:ext uri="{91240B29-F687-4F45-9708-019B960494DF}">
+              <a14:hiddenLine xmlns:a14="http://schemas.microsoft.com/office/drawing/2010/main" w="9525">
+                <a:solidFill>
+                  <a:schemeClr val="tx1"/>
+                </a:solidFill>
+                <a:miter lim="800000"/>
+                <a:headEnd/>
+                <a:tailEnd/>
+              </a14:hiddenLine>
+            </a:ext>
+            <a:ext uri="{AF507438-7753-43E0-B8FC-AC1667EBCBE1}">
+              <a14:hiddenEffects xmlns:a14="http://schemas.microsoft.com/office/drawing/2010/main">
+                <a:effectLst>
+                  <a:outerShdw dist="35921" dir="2700000" algn="ctr" rotWithShape="0">
+                    <a:schemeClr val="bg2"/>
+                  </a:outerShdw>
+                </a:effectLst>
+              </a14:hiddenEffects>
+            </a:ext>
+          </a:extLst>
+        </p:spPr>
+      </p:pic>
+      <p:pic>
+        <p:nvPicPr>
+          <p:cNvPr id="3077" name="Picture 5"/>
+          <p:cNvPicPr>
+            <a:picLocks noChangeAspect="1" noChangeArrowheads="1"/>
+          </p:cNvPicPr>
+          <p:nvPr/>
+        </p:nvPicPr>
+        <p:blipFill>
+          <a:blip r:embed="rId3">
+            <a:extLst>
+              <a:ext uri="{28A0092B-C50C-407E-A947-70E740481C1C}">
+                <a14:useLocalDpi xmlns:a14="http://schemas.microsoft.com/office/drawing/2010/main" val="0"/>
+              </a:ext>
+            </a:extLst>
+          </a:blip>
+          <a:srcRect/>
+          <a:stretch>
+            <a:fillRect/>
+          </a:stretch>
+        </p:blipFill>
+        <p:spPr bwMode="auto">
+          <a:xfrm rot="5400000">
+            <a:off x="3207792" y="2764447"/>
+            <a:ext cx="5020841" cy="3012505"/>
+          </a:xfrm>
+          <a:prstGeom prst="rect">
+            <a:avLst/>
+          </a:prstGeom>
+          <a:noFill/>
+          <a:ln>
+            <a:noFill/>
+          </a:ln>
+          <a:effectLst/>
+          <a:extLst>
+            <a:ext uri="{909E8E84-426E-40DD-AFC4-6F175D3DCCD1}">
+              <a14:hiddenFill xmlns:a14="http://schemas.microsoft.com/office/drawing/2010/main">
+                <a:solidFill>
+                  <a:schemeClr val="accent1"/>
+                </a:solidFill>
+              </a14:hiddenFill>
+            </a:ext>
+            <a:ext uri="{91240B29-F687-4F45-9708-019B960494DF}">
+              <a14:hiddenLine xmlns:a14="http://schemas.microsoft.com/office/drawing/2010/main" w="9525">
+                <a:solidFill>
+                  <a:schemeClr val="tx1"/>
+                </a:solidFill>
+                <a:miter lim="800000"/>
+                <a:headEnd/>
+                <a:tailEnd/>
+              </a14:hiddenLine>
+            </a:ext>
+            <a:ext uri="{AF507438-7753-43E0-B8FC-AC1667EBCBE1}">
+              <a14:hiddenEffects xmlns:a14="http://schemas.microsoft.com/office/drawing/2010/main">
+                <a:effectLst>
+                  <a:outerShdw dist="35921" dir="2700000" algn="ctr" rotWithShape="0">
+                    <a:schemeClr val="bg2"/>
+                  </a:outerShdw>
+                </a:effectLst>
+              </a14:hiddenEffects>
             </a:ext>
           </a:extLst>
         </p:spPr>
@@ -5126,7 +5700,7 @@
     </p:spTree>
     <p:extLst>
       <p:ext uri="{BB962C8B-B14F-4D97-AF65-F5344CB8AC3E}">
-        <p14:creationId xmlns:p14="http://schemas.microsoft.com/office/powerpoint/2010/main" val="3231306991"/>
+        <p14:creationId xmlns:p14="http://schemas.microsoft.com/office/powerpoint/2010/main" val="803785113"/>
       </p:ext>
     </p:extLst>
   </p:cSld>

--- a/Presentation/You-hockey.pptx
+++ b/Presentation/You-hockey.pptx
@@ -202,7 +202,7 @@
           <a:p>
             <a:fld id="{02F9F04F-3325-4E17-807A-9DEA0B65DE85}" type="datetimeFigureOut">
               <a:rPr lang="he-IL" smtClean="0"/>
-              <a:t>ו'/אדר/תשע"ה</a:t>
+              <a:t>ז'/אדר/תשע"ה</a:t>
             </a:fld>
             <a:endParaRPr lang="he-IL"/>
           </a:p>
@@ -697,7 +697,7 @@
           <a:p>
             <a:fld id="{932B71A5-5859-41E7-8705-1E0E77ED6C34}" type="datetimeFigureOut">
               <a:rPr lang="he-IL" smtClean="0"/>
-              <a:t>ו'/אדר/תשע"ה</a:t>
+              <a:t>ז'/אדר/תשע"ה</a:t>
             </a:fld>
             <a:endParaRPr lang="he-IL"/>
           </a:p>
@@ -1013,7 +1013,7 @@
           <a:p>
             <a:fld id="{932B71A5-5859-41E7-8705-1E0E77ED6C34}" type="datetimeFigureOut">
               <a:rPr lang="he-IL" smtClean="0"/>
-              <a:t>ו'/אדר/תשע"ה</a:t>
+              <a:t>ז'/אדר/תשע"ה</a:t>
             </a:fld>
             <a:endParaRPr lang="he-IL"/>
           </a:p>
@@ -1188,7 +1188,7 @@
           <a:p>
             <a:fld id="{932B71A5-5859-41E7-8705-1E0E77ED6C34}" type="datetimeFigureOut">
               <a:rPr lang="he-IL" smtClean="0"/>
-              <a:t>ו'/אדר/תשע"ה</a:t>
+              <a:t>ז'/אדר/תשע"ה</a:t>
             </a:fld>
             <a:endParaRPr lang="he-IL"/>
           </a:p>
@@ -1306,7 +1306,7 @@
           <a:p>
             <a:fld id="{932B71A5-5859-41E7-8705-1E0E77ED6C34}" type="datetimeFigureOut">
               <a:rPr lang="he-IL" smtClean="0"/>
-              <a:t>ו'/אדר/תשע"ה</a:t>
+              <a:t>ז'/אדר/תשע"ה</a:t>
             </a:fld>
             <a:endParaRPr lang="he-IL"/>
           </a:p>
@@ -1604,7 +1604,7 @@
           <a:p>
             <a:fld id="{932B71A5-5859-41E7-8705-1E0E77ED6C34}" type="datetimeFigureOut">
               <a:rPr lang="he-IL" smtClean="0"/>
-              <a:t>ו'/אדר/תשע"ה</a:t>
+              <a:t>ז'/אדר/תשע"ה</a:t>
             </a:fld>
             <a:endParaRPr lang="he-IL"/>
           </a:p>
@@ -1897,7 +1897,7 @@
           <a:p>
             <a:fld id="{932B71A5-5859-41E7-8705-1E0E77ED6C34}" type="datetimeFigureOut">
               <a:rPr lang="he-IL" smtClean="0"/>
-              <a:t>ו'/אדר/תשע"ה</a:t>
+              <a:t>ז'/אדר/תשע"ה</a:t>
             </a:fld>
             <a:endParaRPr lang="he-IL"/>
           </a:p>
@@ -2325,7 +2325,7 @@
           <a:p>
             <a:fld id="{932B71A5-5859-41E7-8705-1E0E77ED6C34}" type="datetimeFigureOut">
               <a:rPr lang="he-IL" smtClean="0"/>
-              <a:t>ו'/אדר/תשע"ה</a:t>
+              <a:t>ז'/אדר/תשע"ה</a:t>
             </a:fld>
             <a:endParaRPr lang="he-IL"/>
           </a:p>
@@ -2443,7 +2443,7 @@
           <a:p>
             <a:fld id="{932B71A5-5859-41E7-8705-1E0E77ED6C34}" type="datetimeFigureOut">
               <a:rPr lang="he-IL" smtClean="0"/>
-              <a:t>ו'/אדר/תשע"ה</a:t>
+              <a:t>ז'/אדר/תשע"ה</a:t>
             </a:fld>
             <a:endParaRPr lang="he-IL"/>
           </a:p>
@@ -2533,7 +2533,7 @@
           <a:p>
             <a:fld id="{932B71A5-5859-41E7-8705-1E0E77ED6C34}" type="datetimeFigureOut">
               <a:rPr lang="he-IL" smtClean="0"/>
-              <a:t>ו'/אדר/תשע"ה</a:t>
+              <a:t>ז'/אדר/תשע"ה</a:t>
             </a:fld>
             <a:endParaRPr lang="he-IL"/>
           </a:p>
@@ -2783,7 +2783,7 @@
           <a:p>
             <a:fld id="{932B71A5-5859-41E7-8705-1E0E77ED6C34}" type="datetimeFigureOut">
               <a:rPr lang="he-IL" smtClean="0"/>
-              <a:t>ו'/אדר/תשע"ה</a:t>
+              <a:t>ז'/אדר/תשע"ה</a:t>
             </a:fld>
             <a:endParaRPr lang="he-IL"/>
           </a:p>
@@ -3299,7 +3299,7 @@
           <a:p>
             <a:fld id="{932B71A5-5859-41E7-8705-1E0E77ED6C34}" type="datetimeFigureOut">
               <a:rPr lang="he-IL" smtClean="0"/>
-              <a:t>ו'/אדר/תשע"ה</a:t>
+              <a:t>ז'/אדר/תשע"ה</a:t>
             </a:fld>
             <a:endParaRPr lang="he-IL"/>
           </a:p>
@@ -3529,7 +3529,7 @@
           <a:p>
             <a:fld id="{932B71A5-5859-41E7-8705-1E0E77ED6C34}" type="datetimeFigureOut">
               <a:rPr lang="he-IL" smtClean="0"/>
-              <a:t>ו'/אדר/תשע"ה</a:t>
+              <a:t>ז'/אדר/תשע"ה</a:t>
             </a:fld>
             <a:endParaRPr lang="he-IL"/>
           </a:p>
@@ -4084,7 +4084,7 @@
         </p:nvSpPr>
         <p:spPr>
           <a:xfrm>
-            <a:off x="683568" y="1772816"/>
+            <a:off x="611560" y="1988840"/>
             <a:ext cx="7772400" cy="1470025"/>
           </a:xfrm>
         </p:spPr>
@@ -4139,7 +4139,7 @@
         </p:blipFill>
         <p:spPr bwMode="auto">
           <a:xfrm>
-            <a:off x="7451592" y="5173365"/>
+            <a:off x="3851920" y="4437112"/>
             <a:ext cx="1684635" cy="1684635"/>
           </a:xfrm>
           <a:prstGeom prst="rect">
@@ -5202,11 +5202,7 @@
             <a:pPr algn="r"/>
             <a:r>
               <a:rPr lang="he-IL" dirty="0" smtClean="0"/>
-              <a:t>סוגיות (קשיים שנתקלנו בהם) </a:t>
-            </a:r>
-            <a:r>
-              <a:rPr lang="he-IL" dirty="0" smtClean="0"/>
-              <a:t>טכנולוגיות</a:t>
+              <a:t>סוגיות (קשיים שנתקלנו בהם) טכנולוגיות</a:t>
             </a:r>
             <a:endParaRPr lang="he-IL" dirty="0"/>
           </a:p>
@@ -5559,11 +5555,7 @@
             </a:pPr>
             <a:r>
               <a:rPr lang="he-IL" sz="8800" dirty="0" smtClean="0"/>
-              <a:t>הדגמת </a:t>
-            </a:r>
-            <a:r>
-              <a:rPr lang="he-IL" sz="8800" dirty="0" smtClean="0"/>
-              <a:t>המשחק</a:t>
+              <a:t>הדגמת המשחק</a:t>
             </a:r>
             <a:endParaRPr lang="he-IL" sz="8800" dirty="0"/>
           </a:p>
@@ -5592,7 +5584,7 @@
         </p:blipFill>
         <p:spPr bwMode="auto">
           <a:xfrm rot="5400000">
-            <a:off x="-750141" y="2774477"/>
+            <a:off x="257971" y="2774476"/>
             <a:ext cx="5008303" cy="3004982"/>
           </a:xfrm>
           <a:prstGeom prst="rect">
@@ -5656,7 +5648,7 @@
         </p:blipFill>
         <p:spPr bwMode="auto">
           <a:xfrm rot="5400000">
-            <a:off x="3207792" y="2764447"/>
+            <a:off x="3888171" y="2776984"/>
             <a:ext cx="5020841" cy="3012505"/>
           </a:xfrm>
           <a:prstGeom prst="rect">
